--- a/DengAI_PP.pptx
+++ b/DengAI_PP.pptx
@@ -14,8 +14,9 @@
     <p:sldId id="262" r:id="rId8"/>
     <p:sldId id="263" r:id="rId9"/>
     <p:sldId id="264" r:id="rId10"/>
-    <p:sldId id="265" r:id="rId11"/>
-    <p:sldId id="260" r:id="rId12"/>
+    <p:sldId id="267" r:id="rId11"/>
+    <p:sldId id="265" r:id="rId12"/>
+    <p:sldId id="260" r:id="rId13"/>
   </p:sldIdLst>
   <p:sldSz cx="12192000" cy="6858000"/>
   <p:notesSz cx="6858000" cy="9144000"/>
@@ -269,7 +270,7 @@
           <a:p>
             <a:fld id="{BD272342-43D0-4748-B8B5-45FC18A52E09}" type="datetimeFigureOut">
               <a:rPr lang="de-DE" smtClean="0"/>
-              <a:t>29.05.2018</a:t>
+              <a:t>04.06.2018</a:t>
             </a:fld>
             <a:endParaRPr lang="de-DE"/>
           </a:p>
@@ -467,7 +468,7 @@
           <a:p>
             <a:fld id="{BD272342-43D0-4748-B8B5-45FC18A52E09}" type="datetimeFigureOut">
               <a:rPr lang="de-DE" smtClean="0"/>
-              <a:t>29.05.2018</a:t>
+              <a:t>04.06.2018</a:t>
             </a:fld>
             <a:endParaRPr lang="de-DE"/>
           </a:p>
@@ -675,7 +676,7 @@
           <a:p>
             <a:fld id="{BD272342-43D0-4748-B8B5-45FC18A52E09}" type="datetimeFigureOut">
               <a:rPr lang="de-DE" smtClean="0"/>
-              <a:t>29.05.2018</a:t>
+              <a:t>04.06.2018</a:t>
             </a:fld>
             <a:endParaRPr lang="de-DE"/>
           </a:p>
@@ -873,7 +874,7 @@
           <a:p>
             <a:fld id="{BD272342-43D0-4748-B8B5-45FC18A52E09}" type="datetimeFigureOut">
               <a:rPr lang="de-DE" smtClean="0"/>
-              <a:t>29.05.2018</a:t>
+              <a:t>04.06.2018</a:t>
             </a:fld>
             <a:endParaRPr lang="de-DE"/>
           </a:p>
@@ -1148,7 +1149,7 @@
           <a:p>
             <a:fld id="{BD272342-43D0-4748-B8B5-45FC18A52E09}" type="datetimeFigureOut">
               <a:rPr lang="de-DE" smtClean="0"/>
-              <a:t>29.05.2018</a:t>
+              <a:t>04.06.2018</a:t>
             </a:fld>
             <a:endParaRPr lang="de-DE"/>
           </a:p>
@@ -1413,7 +1414,7 @@
           <a:p>
             <a:fld id="{BD272342-43D0-4748-B8B5-45FC18A52E09}" type="datetimeFigureOut">
               <a:rPr lang="de-DE" smtClean="0"/>
-              <a:t>29.05.2018</a:t>
+              <a:t>04.06.2018</a:t>
             </a:fld>
             <a:endParaRPr lang="de-DE"/>
           </a:p>
@@ -1825,7 +1826,7 @@
           <a:p>
             <a:fld id="{BD272342-43D0-4748-B8B5-45FC18A52E09}" type="datetimeFigureOut">
               <a:rPr lang="de-DE" smtClean="0"/>
-              <a:t>29.05.2018</a:t>
+              <a:t>04.06.2018</a:t>
             </a:fld>
             <a:endParaRPr lang="de-DE"/>
           </a:p>
@@ -1966,7 +1967,7 @@
           <a:p>
             <a:fld id="{BD272342-43D0-4748-B8B5-45FC18A52E09}" type="datetimeFigureOut">
               <a:rPr lang="de-DE" smtClean="0"/>
-              <a:t>29.05.2018</a:t>
+              <a:t>04.06.2018</a:t>
             </a:fld>
             <a:endParaRPr lang="de-DE"/>
           </a:p>
@@ -2079,7 +2080,7 @@
           <a:p>
             <a:fld id="{BD272342-43D0-4748-B8B5-45FC18A52E09}" type="datetimeFigureOut">
               <a:rPr lang="de-DE" smtClean="0"/>
-              <a:t>29.05.2018</a:t>
+              <a:t>04.06.2018</a:t>
             </a:fld>
             <a:endParaRPr lang="de-DE"/>
           </a:p>
@@ -2390,7 +2391,7 @@
           <a:p>
             <a:fld id="{BD272342-43D0-4748-B8B5-45FC18A52E09}" type="datetimeFigureOut">
               <a:rPr lang="de-DE" smtClean="0"/>
-              <a:t>29.05.2018</a:t>
+              <a:t>04.06.2018</a:t>
             </a:fld>
             <a:endParaRPr lang="de-DE"/>
           </a:p>
@@ -2678,7 +2679,7 @@
           <a:p>
             <a:fld id="{BD272342-43D0-4748-B8B5-45FC18A52E09}" type="datetimeFigureOut">
               <a:rPr lang="de-DE" smtClean="0"/>
-              <a:t>29.05.2018</a:t>
+              <a:t>04.06.2018</a:t>
             </a:fld>
             <a:endParaRPr lang="de-DE"/>
           </a:p>
@@ -2919,7 +2920,7 @@
           <a:p>
             <a:fld id="{BD272342-43D0-4748-B8B5-45FC18A52E09}" type="datetimeFigureOut">
               <a:rPr lang="de-DE" smtClean="0"/>
-              <a:t>29.05.2018</a:t>
+              <a:t>04.06.2018</a:t>
             </a:fld>
             <a:endParaRPr lang="de-DE"/>
           </a:p>
@@ -3475,6 +3476,103 @@
           <p:cNvPr id="2" name="Titel 1">
             <a:extLst>
               <a:ext uri="{FF2B5EF4-FFF2-40B4-BE49-F238E27FC236}">
+                <a16:creationId xmlns:a16="http://schemas.microsoft.com/office/drawing/2014/main" id="{1CC49AE3-EC22-4DC1-88B5-B19EBE7405F5}"/>
+              </a:ext>
+            </a:extLst>
+          </p:cNvPr>
+          <p:cNvSpPr>
+            <a:spLocks noGrp="1"/>
+          </p:cNvSpPr>
+          <p:nvPr>
+            <p:ph type="title"/>
+          </p:nvPr>
+        </p:nvSpPr>
+        <p:spPr/>
+        <p:txBody>
+          <a:bodyPr/>
+          <a:lstStyle/>
+          <a:p>
+            <a:r>
+              <a:rPr lang="de-DE" dirty="0" err="1"/>
+              <a:t>Correlogram</a:t>
+            </a:r>
+            <a:r>
+              <a:rPr lang="de-DE" dirty="0"/>
+              <a:t> San Juan</a:t>
+            </a:r>
+          </a:p>
+        </p:txBody>
+      </p:sp>
+      <p:pic>
+        <p:nvPicPr>
+          <p:cNvPr id="5" name="Inhaltsplatzhalter 4">
+            <a:extLst>
+              <a:ext uri="{FF2B5EF4-FFF2-40B4-BE49-F238E27FC236}">
+                <a16:creationId xmlns:a16="http://schemas.microsoft.com/office/drawing/2014/main" id="{2FA2841B-40B4-4493-AE71-200EB37E8A2F}"/>
+              </a:ext>
+            </a:extLst>
+          </p:cNvPr>
+          <p:cNvPicPr>
+            <a:picLocks noGrp="1" noChangeAspect="1"/>
+          </p:cNvPicPr>
+          <p:nvPr>
+            <p:ph idx="1"/>
+          </p:nvPr>
+        </p:nvPicPr>
+        <p:blipFill>
+          <a:blip r:embed="rId2">
+            <a:extLst>
+              <a:ext uri="{28A0092B-C50C-407E-A947-70E740481C1C}">
+                <a14:useLocalDpi xmlns:a14="http://schemas.microsoft.com/office/drawing/2010/main" val="0"/>
+              </a:ext>
+            </a:extLst>
+          </a:blip>
+          <a:stretch>
+            <a:fillRect/>
+          </a:stretch>
+        </p:blipFill>
+        <p:spPr>
+          <a:xfrm>
+            <a:off x="413406" y="1567395"/>
+            <a:ext cx="11609172" cy="4622389"/>
+          </a:xfrm>
+        </p:spPr>
+      </p:pic>
+    </p:spTree>
+    <p:extLst>
+      <p:ext uri="{BB962C8B-B14F-4D97-AF65-F5344CB8AC3E}">
+        <p14:creationId xmlns:p14="http://schemas.microsoft.com/office/powerpoint/2010/main" val="553909142"/>
+      </p:ext>
+    </p:extLst>
+  </p:cSld>
+  <p:clrMapOvr>
+    <a:masterClrMapping/>
+  </p:clrMapOvr>
+</p:sld>
+</file>
+
+<file path=ppt/slides/slide11.xml><?xml version="1.0" encoding="utf-8"?>
+<p:sld xmlns:a="http://schemas.openxmlformats.org/drawingml/2006/main" xmlns:r="http://schemas.openxmlformats.org/officeDocument/2006/relationships" xmlns:p="http://schemas.openxmlformats.org/presentationml/2006/main">
+  <p:cSld>
+    <p:spTree>
+      <p:nvGrpSpPr>
+        <p:cNvPr id="1" name=""/>
+        <p:cNvGrpSpPr/>
+        <p:nvPr/>
+      </p:nvGrpSpPr>
+      <p:grpSpPr>
+        <a:xfrm>
+          <a:off x="0" y="0"/>
+          <a:ext cx="0" cy="0"/>
+          <a:chOff x="0" y="0"/>
+          <a:chExt cx="0" cy="0"/>
+        </a:xfrm>
+      </p:grpSpPr>
+      <p:sp>
+        <p:nvSpPr>
+          <p:cNvPr id="2" name="Titel 1">
+            <a:extLst>
+              <a:ext uri="{FF2B5EF4-FFF2-40B4-BE49-F238E27FC236}">
                 <a16:creationId xmlns:a16="http://schemas.microsoft.com/office/drawing/2014/main" id="{8445632B-5A24-4E4D-851E-637E278ADFAD}"/>
               </a:ext>
             </a:extLst>
@@ -3520,8 +3618,12 @@
           <a:lstStyle/>
           <a:p>
             <a:r>
+              <a:rPr lang="de-DE" dirty="0" err="1"/>
+              <a:t>Minimizing</a:t>
+            </a:r>
+            <a:r>
               <a:rPr lang="de-DE" dirty="0"/>
-              <a:t>Mean </a:t>
+              <a:t> Mean </a:t>
             </a:r>
             <a:r>
               <a:rPr lang="de-DE" dirty="0" err="1"/>
@@ -3529,8 +3631,29 @@
             </a:r>
             <a:r>
               <a:rPr lang="de-DE" dirty="0"/>
-              <a:t> Error</a:t>
-            </a:r>
+              <a:t> Error </a:t>
+            </a:r>
+            <a:r>
+              <a:rPr lang="de-DE" dirty="0" err="1"/>
+              <a:t>for</a:t>
+            </a:r>
+            <a:r>
+              <a:rPr lang="de-DE" dirty="0"/>
+              <a:t> </a:t>
+            </a:r>
+            <a:r>
+              <a:rPr lang="de-DE" dirty="0" err="1"/>
+              <a:t>the</a:t>
+            </a:r>
+            <a:r>
+              <a:rPr lang="de-DE" dirty="0"/>
+              <a:t> </a:t>
+            </a:r>
+            <a:r>
+              <a:rPr lang="de-DE" dirty="0" err="1"/>
+              <a:t>Prediction</a:t>
+            </a:r>
+            <a:endParaRPr lang="de-DE" dirty="0"/>
           </a:p>
         </p:txBody>
       </p:sp>
@@ -3547,7 +3670,7 @@
 </p:sld>
 </file>
 
-<file path=ppt/slides/slide11.xml><?xml version="1.0" encoding="utf-8"?>
+<file path=ppt/slides/slide12.xml><?xml version="1.0" encoding="utf-8"?>
 <p:sld xmlns:a="http://schemas.openxmlformats.org/drawingml/2006/main" xmlns:r="http://schemas.openxmlformats.org/officeDocument/2006/relationships" xmlns:p="http://schemas.openxmlformats.org/presentationml/2006/main">
   <p:cSld>
     <p:spTree>
@@ -4338,7 +4461,7 @@
             </a:r>
             <a:r>
               <a:rPr lang="de-DE" dirty="0"/>
-              <a:t> (San Juan)</a:t>
+              <a:t>: Cases in San Juan</a:t>
             </a:r>
           </a:p>
         </p:txBody>
@@ -4470,7 +4593,15 @@
             </a:r>
             <a:r>
               <a:rPr lang="de-DE" dirty="0"/>
-              <a:t>: Cases in San Juan</a:t>
+              <a:t>: Cases in San Juan </a:t>
+            </a:r>
+            <a:r>
+              <a:rPr lang="de-DE" dirty="0" err="1"/>
+              <a:t>by</a:t>
+            </a:r>
+            <a:r>
+              <a:rPr lang="de-DE" dirty="0"/>
+              <a:t> Week</a:t>
             </a:r>
           </a:p>
         </p:txBody>
@@ -4811,11 +4942,14 @@
             </a:r>
             <a:r>
               <a:rPr lang="de-DE" dirty="0"/>
-              <a:t> simple Poisson-models</a:t>
-            </a:r>
-          </a:p>
-          <a:p>
-            <a:endParaRPr lang="de-DE" dirty="0"/>
+              <a:t> simple Poisson-/ Negative Binomial-models</a:t>
+            </a:r>
+          </a:p>
+          <a:p>
+            <a:r>
+              <a:rPr lang="de-DE" dirty="0"/>
+              <a:t>ARIMA</a:t>
+            </a:r>
           </a:p>
           <a:p>
             <a:r>
